--- a/Electronics Store Application Presentation.pptx
+++ b/Electronics Store Application Presentation.pptx
@@ -7,6 +7,9 @@
   <p:sldIdLst>
     <p:sldId id="256" r:id="rId2"/>
     <p:sldId id="257" r:id="rId3"/>
+    <p:sldId id="258" r:id="rId4"/>
+    <p:sldId id="259" r:id="rId5"/>
+    <p:sldId id="260" r:id="rId6"/>
   </p:sldIdLst>
   <p:sldSz cx="9144000" cy="6858000" type="screen4x3"/>
   <p:notesSz cx="6858000" cy="9144000"/>
@@ -530,7 +533,7 @@
           <a:p>
             <a:fld id="{012078D1-1D79-43F3-9351-C9DF21DFC611}" type="datetimeFigureOut">
               <a:rPr lang="en-US" smtClean="0"/>
-              <a:t>12-Jun-20</a:t>
+              <a:t>20-Jun-20</a:t>
             </a:fld>
             <a:endParaRPr lang="en-US"/>
           </a:p>
@@ -742,7 +745,7 @@
           <a:p>
             <a:fld id="{012078D1-1D79-43F3-9351-C9DF21DFC611}" type="datetimeFigureOut">
               <a:rPr lang="en-US" smtClean="0"/>
-              <a:t>12-Jun-20</a:t>
+              <a:t>20-Jun-20</a:t>
             </a:fld>
             <a:endParaRPr lang="en-US"/>
           </a:p>
@@ -929,7 +932,7 @@
           <a:p>
             <a:fld id="{012078D1-1D79-43F3-9351-C9DF21DFC611}" type="datetimeFigureOut">
               <a:rPr lang="en-US" smtClean="0"/>
-              <a:t>12-Jun-20</a:t>
+              <a:t>20-Jun-20</a:t>
             </a:fld>
             <a:endParaRPr lang="en-US"/>
           </a:p>
@@ -1026,7 +1029,7 @@
           <a:p>
             <a:fld id="{012078D1-1D79-43F3-9351-C9DF21DFC611}" type="datetimeFigureOut">
               <a:rPr lang="en-US" smtClean="0"/>
-              <a:t>12-Jun-20</a:t>
+              <a:t>20-Jun-20</a:t>
             </a:fld>
             <a:endParaRPr lang="en-US"/>
           </a:p>
@@ -1622,7 +1625,7 @@
           <a:p>
             <a:fld id="{012078D1-1D79-43F3-9351-C9DF21DFC611}" type="datetimeFigureOut">
               <a:rPr lang="en-US" smtClean="0"/>
-              <a:t>12-Jun-20</a:t>
+              <a:t>20-Jun-20</a:t>
             </a:fld>
             <a:endParaRPr lang="en-US"/>
           </a:p>
@@ -1719,7 +1722,7 @@
           <a:p>
             <a:fld id="{012078D1-1D79-43F3-9351-C9DF21DFC611}" type="datetimeFigureOut">
               <a:rPr lang="en-US" smtClean="0"/>
-              <a:t>12-Jun-20</a:t>
+              <a:t>20-Jun-20</a:t>
             </a:fld>
             <a:endParaRPr lang="en-US"/>
           </a:p>
@@ -2324,7 +2327,7 @@
           <a:p>
             <a:fld id="{012078D1-1D79-43F3-9351-C9DF21DFC611}" type="datetimeFigureOut">
               <a:rPr lang="en-US" smtClean="0"/>
-              <a:t>12-Jun-20</a:t>
+              <a:t>20-Jun-20</a:t>
             </a:fld>
             <a:endParaRPr lang="en-US"/>
           </a:p>
@@ -2467,7 +2470,7 @@
           <a:p>
             <a:fld id="{012078D1-1D79-43F3-9351-C9DF21DFC611}" type="datetimeFigureOut">
               <a:rPr lang="en-US" smtClean="0"/>
-              <a:t>12-Jun-20</a:t>
+              <a:t>20-Jun-20</a:t>
             </a:fld>
             <a:endParaRPr lang="en-US"/>
           </a:p>
@@ -2564,7 +2567,7 @@
           <a:p>
             <a:fld id="{012078D1-1D79-43F3-9351-C9DF21DFC611}" type="datetimeFigureOut">
               <a:rPr lang="en-US" smtClean="0"/>
-              <a:t>12-Jun-20</a:t>
+              <a:t>20-Jun-20</a:t>
             </a:fld>
             <a:endParaRPr lang="en-US"/>
           </a:p>
@@ -2848,7 +2851,7 @@
           <a:p>
             <a:fld id="{012078D1-1D79-43F3-9351-C9DF21DFC611}" type="datetimeFigureOut">
               <a:rPr lang="en-US" smtClean="0"/>
-              <a:t>12-Jun-20</a:t>
+              <a:t>20-Jun-20</a:t>
             </a:fld>
             <a:endParaRPr lang="en-US"/>
           </a:p>
@@ -3370,7 +3373,7 @@
           <a:p>
             <a:fld id="{012078D1-1D79-43F3-9351-C9DF21DFC611}" type="datetimeFigureOut">
               <a:rPr lang="en-US" smtClean="0"/>
-              <a:t>12-Jun-20</a:t>
+              <a:t>20-Jun-20</a:t>
             </a:fld>
             <a:endParaRPr lang="en-US"/>
           </a:p>
@@ -3890,7 +3893,7 @@
           <a:p>
             <a:fld id="{012078D1-1D79-43F3-9351-C9DF21DFC611}" type="datetimeFigureOut">
               <a:rPr lang="en-US" smtClean="0"/>
-              <a:t>12-Jun-20</a:t>
+              <a:t>20-Jun-20</a:t>
             </a:fld>
             <a:endParaRPr lang="en-US"/>
           </a:p>
@@ -4474,7 +4477,35 @@
           <a:bodyPr/>
           <a:lstStyle/>
           <a:p>
-            <a:endParaRPr lang="en-US"/>
+            <a:r>
+              <a:rPr lang="en-US" dirty="0" err="1" smtClean="0"/>
+              <a:t>Realizat</a:t>
+            </a:r>
+            <a:r>
+              <a:rPr lang="en-US" dirty="0" smtClean="0"/>
+              <a:t> de </a:t>
+            </a:r>
+            <a:r>
+              <a:rPr lang="en-US" dirty="0" err="1" smtClean="0"/>
+              <a:t>Constantin</a:t>
+            </a:r>
+            <a:r>
+              <a:rPr lang="en-US" dirty="0" smtClean="0"/>
+              <a:t> Iulia </a:t>
+            </a:r>
+            <a:r>
+              <a:rPr lang="en-US" dirty="0" err="1" smtClean="0"/>
+              <a:t>si</a:t>
+            </a:r>
+            <a:r>
+              <a:rPr lang="en-US" dirty="0" smtClean="0"/>
+              <a:t> Contra </a:t>
+            </a:r>
+            <a:r>
+              <a:rPr lang="en-US" dirty="0" err="1" smtClean="0"/>
+              <a:t>Alexandru</a:t>
+            </a:r>
+            <a:endParaRPr lang="en-US" dirty="0"/>
           </a:p>
         </p:txBody>
       </p:sp>
@@ -4488,12 +4519,29 @@
             <p:ph type="ctrTitle"/>
           </p:nvPr>
         </p:nvSpPr>
-        <p:spPr/>
+        <p:spPr>
+          <a:xfrm>
+            <a:off x="914400" y="1143000"/>
+            <a:ext cx="7175351" cy="1793167"/>
+          </a:xfrm>
+        </p:spPr>
         <p:txBody>
           <a:bodyPr/>
           <a:lstStyle/>
           <a:p>
-            <a:endParaRPr lang="en-US"/>
+            <a:r>
+              <a:rPr lang="en-US" dirty="0" smtClean="0"/>
+              <a:t>Electronics </a:t>
+            </a:r>
+            <a:r>
+              <a:rPr lang="en-US" dirty="0" err="1" smtClean="0"/>
+              <a:t>Store:management</a:t>
+            </a:r>
+            <a:r>
+              <a:rPr lang="en-US" dirty="0" smtClean="0"/>
+              <a:t> application</a:t>
+            </a:r>
+            <a:endParaRPr lang="en-US" dirty="0"/>
           </a:p>
         </p:txBody>
       </p:sp>
@@ -4542,33 +4590,426 @@
           <a:bodyPr/>
           <a:lstStyle/>
           <a:p>
-            <a:endParaRPr lang="en-US"/>
-          </a:p>
-        </p:txBody>
-      </p:sp>
-      <p:sp>
-        <p:nvSpPr>
-          <p:cNvPr id="2" name="Content Placeholder 1"/>
-          <p:cNvSpPr>
-            <a:spLocks noGrp="1"/>
-          </p:cNvSpPr>
+            <a:r>
+              <a:rPr lang="en-US" dirty="0" err="1" smtClean="0"/>
+              <a:t>Ce</a:t>
+            </a:r>
+            <a:r>
+              <a:rPr lang="en-US" dirty="0" smtClean="0"/>
+              <a:t> face?</a:t>
+            </a:r>
+            <a:endParaRPr lang="en-US" dirty="0"/>
+          </a:p>
+        </p:txBody>
+      </p:sp>
+      <p:pic>
+        <p:nvPicPr>
+          <p:cNvPr id="4" name="Content Placeholder 3"/>
+          <p:cNvPicPr>
+            <a:picLocks noGrp="1" noChangeAspect="1"/>
+          </p:cNvPicPr>
           <p:nvPr>
             <p:ph sz="quarter" idx="13"/>
           </p:nvPr>
-        </p:nvSpPr>
-        <p:spPr/>
-        <p:txBody>
-          <a:bodyPr/>
-          <a:lstStyle/>
-          <a:p>
-            <a:endParaRPr lang="en-US"/>
-          </a:p>
-        </p:txBody>
-      </p:sp>
+        </p:nvPicPr>
+        <p:blipFill>
+          <a:blip r:embed="rId2">
+            <a:extLst>
+              <a:ext uri="{28A0092B-C50C-407E-A947-70E740481C1C}">
+                <a14:useLocalDpi xmlns:a14="http://schemas.microsoft.com/office/drawing/2010/main" val="0"/>
+              </a:ext>
+            </a:extLst>
+          </a:blip>
+          <a:stretch>
+            <a:fillRect/>
+          </a:stretch>
+        </p:blipFill>
+        <p:spPr>
+          <a:xfrm>
+            <a:off x="2040703" y="731838"/>
+            <a:ext cx="4605393" cy="3475037"/>
+          </a:xfrm>
+        </p:spPr>
+      </p:pic>
     </p:spTree>
     <p:extLst>
       <p:ext uri="{BB962C8B-B14F-4D97-AF65-F5344CB8AC3E}">
         <p14:creationId xmlns:p14="http://schemas.microsoft.com/office/powerpoint/2010/main" val="3339864258"/>
+      </p:ext>
+    </p:extLst>
+  </p:cSld>
+  <p:clrMapOvr>
+    <a:masterClrMapping/>
+  </p:clrMapOvr>
+</p:sld>
+</file>
+
+<file path=ppt/slides/slide3.xml><?xml version="1.0" encoding="utf-8"?>
+<p:sld xmlns:a="http://schemas.openxmlformats.org/drawingml/2006/main" xmlns:r="http://schemas.openxmlformats.org/officeDocument/2006/relationships" xmlns:p="http://schemas.openxmlformats.org/presentationml/2006/main">
+  <p:cSld>
+    <p:spTree>
+      <p:nvGrpSpPr>
+        <p:cNvPr id="1" name=""/>
+        <p:cNvGrpSpPr/>
+        <p:nvPr/>
+      </p:nvGrpSpPr>
+      <p:grpSpPr>
+        <a:xfrm>
+          <a:off x="0" y="0"/>
+          <a:ext cx="0" cy="0"/>
+          <a:chOff x="0" y="0"/>
+          <a:chExt cx="0" cy="0"/>
+        </a:xfrm>
+      </p:grpSpPr>
+      <p:sp>
+        <p:nvSpPr>
+          <p:cNvPr id="2" name="Title 1"/>
+          <p:cNvSpPr>
+            <a:spLocks noGrp="1"/>
+          </p:cNvSpPr>
+          <p:nvPr>
+            <p:ph type="title"/>
+          </p:nvPr>
+        </p:nvSpPr>
+        <p:spPr/>
+        <p:txBody>
+          <a:bodyPr/>
+          <a:lstStyle/>
+          <a:p>
+            <a:r>
+              <a:rPr lang="en-US" dirty="0" err="1" smtClean="0"/>
+              <a:t>Functii</a:t>
+            </a:r>
+            <a:endParaRPr lang="en-US" dirty="0"/>
+          </a:p>
+        </p:txBody>
+      </p:sp>
+      <p:pic>
+        <p:nvPicPr>
+          <p:cNvPr id="5" name="Content Placeholder 4"/>
+          <p:cNvPicPr>
+            <a:picLocks noGrp="1" noChangeAspect="1"/>
+          </p:cNvPicPr>
+          <p:nvPr>
+            <p:ph sz="quarter" idx="13"/>
+          </p:nvPr>
+        </p:nvPicPr>
+        <p:blipFill>
+          <a:blip r:embed="rId2">
+            <a:extLst>
+              <a:ext uri="{28A0092B-C50C-407E-A947-70E740481C1C}">
+                <a14:useLocalDpi xmlns:a14="http://schemas.microsoft.com/office/drawing/2010/main" val="0"/>
+              </a:ext>
+            </a:extLst>
+          </a:blip>
+          <a:stretch>
+            <a:fillRect/>
+          </a:stretch>
+        </p:blipFill>
+        <p:spPr>
+          <a:xfrm>
+            <a:off x="1463486" y="1088038"/>
+            <a:ext cx="2705478" cy="2762636"/>
+          </a:xfrm>
+        </p:spPr>
+      </p:pic>
+      <p:pic>
+        <p:nvPicPr>
+          <p:cNvPr id="6" name="Content Placeholder 5"/>
+          <p:cNvPicPr>
+            <a:picLocks noGrp="1" noChangeAspect="1"/>
+          </p:cNvPicPr>
+          <p:nvPr>
+            <p:ph sz="quarter" idx="14"/>
+          </p:nvPr>
+        </p:nvPicPr>
+        <p:blipFill>
+          <a:blip r:embed="rId3">
+            <a:extLst>
+              <a:ext uri="{28A0092B-C50C-407E-A947-70E740481C1C}">
+                <a14:useLocalDpi xmlns:a14="http://schemas.microsoft.com/office/drawing/2010/main" val="0"/>
+              </a:ext>
+            </a:extLst>
+          </a:blip>
+          <a:stretch>
+            <a:fillRect/>
+          </a:stretch>
+        </p:blipFill>
+        <p:spPr>
+          <a:xfrm>
+            <a:off x="4645025" y="1283579"/>
+            <a:ext cx="3346450" cy="2371554"/>
+          </a:xfrm>
+        </p:spPr>
+      </p:pic>
+    </p:spTree>
+    <p:extLst>
+      <p:ext uri="{BB962C8B-B14F-4D97-AF65-F5344CB8AC3E}">
+        <p14:creationId xmlns:p14="http://schemas.microsoft.com/office/powerpoint/2010/main" val="2251868457"/>
+      </p:ext>
+    </p:extLst>
+  </p:cSld>
+  <p:clrMapOvr>
+    <a:masterClrMapping/>
+  </p:clrMapOvr>
+</p:sld>
+</file>
+
+<file path=ppt/slides/slide4.xml><?xml version="1.0" encoding="utf-8"?>
+<p:sld xmlns:a="http://schemas.openxmlformats.org/drawingml/2006/main" xmlns:r="http://schemas.openxmlformats.org/officeDocument/2006/relationships" xmlns:p="http://schemas.openxmlformats.org/presentationml/2006/main">
+  <p:cSld>
+    <p:spTree>
+      <p:nvGrpSpPr>
+        <p:cNvPr id="1" name=""/>
+        <p:cNvGrpSpPr/>
+        <p:nvPr/>
+      </p:nvGrpSpPr>
+      <p:grpSpPr>
+        <a:xfrm>
+          <a:off x="0" y="0"/>
+          <a:ext cx="0" cy="0"/>
+          <a:chOff x="0" y="0"/>
+          <a:chExt cx="0" cy="0"/>
+        </a:xfrm>
+      </p:grpSpPr>
+      <p:sp>
+        <p:nvSpPr>
+          <p:cNvPr id="2" name="Title 1"/>
+          <p:cNvSpPr>
+            <a:spLocks noGrp="1"/>
+          </p:cNvSpPr>
+          <p:nvPr>
+            <p:ph type="title"/>
+          </p:nvPr>
+        </p:nvSpPr>
+        <p:spPr/>
+        <p:txBody>
+          <a:bodyPr/>
+          <a:lstStyle/>
+          <a:p>
+            <a:r>
+              <a:rPr lang="en-US" dirty="0" err="1" smtClean="0"/>
+              <a:t>Inventarul:gestionat</a:t>
+            </a:r>
+            <a:r>
+              <a:rPr lang="en-US" dirty="0" smtClean="0"/>
+              <a:t> </a:t>
+            </a:r>
+            <a:r>
+              <a:rPr lang="en-US" dirty="0" err="1" smtClean="0"/>
+              <a:t>mult</a:t>
+            </a:r>
+            <a:r>
+              <a:rPr lang="en-US" dirty="0" smtClean="0"/>
+              <a:t> </a:t>
+            </a:r>
+            <a:r>
+              <a:rPr lang="en-US" dirty="0" err="1" smtClean="0"/>
+              <a:t>mai</a:t>
+            </a:r>
+            <a:r>
+              <a:rPr lang="en-US" dirty="0" smtClean="0"/>
+              <a:t> </a:t>
+            </a:r>
+            <a:r>
+              <a:rPr lang="en-US" dirty="0" err="1" smtClean="0"/>
+              <a:t>usor</a:t>
+            </a:r>
+            <a:endParaRPr lang="en-US" dirty="0"/>
+          </a:p>
+        </p:txBody>
+      </p:sp>
+      <p:pic>
+        <p:nvPicPr>
+          <p:cNvPr id="4" name="Content Placeholder 3"/>
+          <p:cNvPicPr>
+            <a:picLocks noGrp="1" noChangeAspect="1"/>
+          </p:cNvPicPr>
+          <p:nvPr>
+            <p:ph sz="quarter" idx="13"/>
+          </p:nvPr>
+        </p:nvPicPr>
+        <p:blipFill>
+          <a:blip r:embed="rId2">
+            <a:extLst>
+              <a:ext uri="{28A0092B-C50C-407E-A947-70E740481C1C}">
+                <a14:useLocalDpi xmlns:a14="http://schemas.microsoft.com/office/drawing/2010/main" val="0"/>
+              </a:ext>
+            </a:extLst>
+          </a:blip>
+          <a:stretch>
+            <a:fillRect/>
+          </a:stretch>
+        </p:blipFill>
+        <p:spPr>
+          <a:xfrm>
+            <a:off x="762000" y="685800"/>
+            <a:ext cx="3386388" cy="3475037"/>
+          </a:xfrm>
+        </p:spPr>
+      </p:pic>
+      <p:pic>
+        <p:nvPicPr>
+          <p:cNvPr id="5" name="Picture 4"/>
+          <p:cNvPicPr>
+            <a:picLocks noChangeAspect="1"/>
+          </p:cNvPicPr>
+          <p:nvPr/>
+        </p:nvPicPr>
+        <p:blipFill>
+          <a:blip r:embed="rId3">
+            <a:extLst>
+              <a:ext uri="{28A0092B-C50C-407E-A947-70E740481C1C}">
+                <a14:useLocalDpi xmlns:a14="http://schemas.microsoft.com/office/drawing/2010/main" val="0"/>
+              </a:ext>
+            </a:extLst>
+          </a:blip>
+          <a:stretch>
+            <a:fillRect/>
+          </a:stretch>
+        </p:blipFill>
+        <p:spPr>
+          <a:xfrm>
+            <a:off x="4537364" y="685800"/>
+            <a:ext cx="3648584" cy="3734321"/>
+          </a:xfrm>
+          <a:prstGeom prst="rect">
+            <a:avLst/>
+          </a:prstGeom>
+        </p:spPr>
+      </p:pic>
+    </p:spTree>
+    <p:extLst>
+      <p:ext uri="{BB962C8B-B14F-4D97-AF65-F5344CB8AC3E}">
+        <p14:creationId xmlns:p14="http://schemas.microsoft.com/office/powerpoint/2010/main" val="300534889"/>
+      </p:ext>
+    </p:extLst>
+  </p:cSld>
+  <p:clrMapOvr>
+    <a:masterClrMapping/>
+  </p:clrMapOvr>
+</p:sld>
+</file>
+
+<file path=ppt/slides/slide5.xml><?xml version="1.0" encoding="utf-8"?>
+<p:sld xmlns:a="http://schemas.openxmlformats.org/drawingml/2006/main" xmlns:r="http://schemas.openxmlformats.org/officeDocument/2006/relationships" xmlns:p="http://schemas.openxmlformats.org/presentationml/2006/main">
+  <p:cSld>
+    <p:spTree>
+      <p:nvGrpSpPr>
+        <p:cNvPr id="1" name=""/>
+        <p:cNvGrpSpPr/>
+        <p:nvPr/>
+      </p:nvGrpSpPr>
+      <p:grpSpPr>
+        <a:xfrm>
+          <a:off x="0" y="0"/>
+          <a:ext cx="0" cy="0"/>
+          <a:chOff x="0" y="0"/>
+          <a:chExt cx="0" cy="0"/>
+        </a:xfrm>
+      </p:grpSpPr>
+      <p:sp>
+        <p:nvSpPr>
+          <p:cNvPr id="2" name="Title 1"/>
+          <p:cNvSpPr>
+            <a:spLocks noGrp="1"/>
+          </p:cNvSpPr>
+          <p:nvPr>
+            <p:ph type="title"/>
+          </p:nvPr>
+        </p:nvSpPr>
+        <p:spPr/>
+        <p:txBody>
+          <a:bodyPr/>
+          <a:lstStyle/>
+          <a:p>
+            <a:r>
+              <a:rPr lang="en-US" dirty="0" err="1" smtClean="0"/>
+              <a:t>Organizare</a:t>
+            </a:r>
+            <a:r>
+              <a:rPr lang="en-US" dirty="0" smtClean="0"/>
+              <a:t> </a:t>
+            </a:r>
+            <a:r>
+              <a:rPr lang="en-US" dirty="0" err="1" smtClean="0"/>
+              <a:t>mai</a:t>
+            </a:r>
+            <a:r>
+              <a:rPr lang="en-US" dirty="0" smtClean="0"/>
+              <a:t> </a:t>
+            </a:r>
+            <a:r>
+              <a:rPr lang="en-US" dirty="0" err="1" smtClean="0"/>
+              <a:t>simpla</a:t>
+            </a:r>
+            <a:endParaRPr lang="en-US" dirty="0"/>
+          </a:p>
+        </p:txBody>
+      </p:sp>
+      <p:pic>
+        <p:nvPicPr>
+          <p:cNvPr id="4" name="Content Placeholder 3"/>
+          <p:cNvPicPr>
+            <a:picLocks noGrp="1" noChangeAspect="1"/>
+          </p:cNvPicPr>
+          <p:nvPr>
+            <p:ph sz="quarter" idx="13"/>
+          </p:nvPr>
+        </p:nvPicPr>
+        <p:blipFill>
+          <a:blip r:embed="rId2">
+            <a:extLst>
+              <a:ext uri="{28A0092B-C50C-407E-A947-70E740481C1C}">
+                <a14:useLocalDpi xmlns:a14="http://schemas.microsoft.com/office/drawing/2010/main" val="0"/>
+              </a:ext>
+            </a:extLst>
+          </a:blip>
+          <a:stretch>
+            <a:fillRect/>
+          </a:stretch>
+        </p:blipFill>
+        <p:spPr>
+          <a:xfrm>
+            <a:off x="4800600" y="685800"/>
+            <a:ext cx="3453674" cy="3475037"/>
+          </a:xfrm>
+        </p:spPr>
+      </p:pic>
+      <p:pic>
+        <p:nvPicPr>
+          <p:cNvPr id="5" name="Picture 4"/>
+          <p:cNvPicPr>
+            <a:picLocks noChangeAspect="1"/>
+          </p:cNvPicPr>
+          <p:nvPr/>
+        </p:nvPicPr>
+        <p:blipFill>
+          <a:blip r:embed="rId3">
+            <a:extLst>
+              <a:ext uri="{28A0092B-C50C-407E-A947-70E740481C1C}">
+                <a14:useLocalDpi xmlns:a14="http://schemas.microsoft.com/office/drawing/2010/main" val="0"/>
+              </a:ext>
+            </a:extLst>
+          </a:blip>
+          <a:stretch>
+            <a:fillRect/>
+          </a:stretch>
+        </p:blipFill>
+        <p:spPr>
+          <a:xfrm>
+            <a:off x="533400" y="1143000"/>
+            <a:ext cx="3962400" cy="2769595"/>
+          </a:xfrm>
+          <a:prstGeom prst="rect">
+            <a:avLst/>
+          </a:prstGeom>
+        </p:spPr>
+      </p:pic>
+    </p:spTree>
+    <p:extLst>
+      <p:ext uri="{BB962C8B-B14F-4D97-AF65-F5344CB8AC3E}">
+        <p14:creationId xmlns:p14="http://schemas.microsoft.com/office/powerpoint/2010/main" val="1695366071"/>
       </p:ext>
     </p:extLst>
   </p:cSld>
